--- a/Netflix Movies and TV SHOWS Clustering.pptx
+++ b/Netflix Movies and TV SHOWS Clustering.pptx
@@ -20,8 +20,11 @@
     <p:sldId id="269" r:id="rId14"/>
     <p:sldId id="270" r:id="rId15"/>
     <p:sldId id="271" r:id="rId16"/>
-    <p:sldId id="272" r:id="rId17"/>
-    <p:sldId id="273" r:id="rId18"/>
+    <p:sldId id="274" r:id="rId17"/>
+    <p:sldId id="276" r:id="rId18"/>
+    <p:sldId id="275" r:id="rId19"/>
+    <p:sldId id="272" r:id="rId20"/>
+    <p:sldId id="273" r:id="rId21"/>
   </p:sldIdLst>
   <p:sldSz cx="12192000" cy="6858000"/>
   <p:notesSz cx="6858000" cy="9144000"/>
@@ -120,6 +123,11 @@
       </a:defRPr>
     </a:lvl9pPr>
   </p:defaultTextStyle>
+  <p:extLst>
+    <p:ext uri="{EFAFB233-063F-42B5-8137-9DF3F51BA10A}">
+      <p15:sldGuideLst xmlns:p15="http://schemas.microsoft.com/office/powerpoint/2012/main"/>
+    </p:ext>
+  </p:extLst>
 </p:presentation>
 </file>
 
@@ -262,7 +270,7 @@
           <a:p>
             <a:fld id="{48A87A34-81AB-432B-8DAE-1953F412C126}" type="datetimeFigureOut">
               <a:rPr lang="en-US" dirty="0"/>
-              <a:t>8/3/2025</a:t>
+              <a:t>8/8/2025</a:t>
             </a:fld>
             <a:endParaRPr lang="en-US" dirty="0"/>
           </a:p>
@@ -468,7 +476,7 @@
           <a:p>
             <a:fld id="{48A87A34-81AB-432B-8DAE-1953F412C126}" type="datetimeFigureOut">
               <a:rPr lang="en-US" dirty="0"/>
-              <a:t>8/3/2025</a:t>
+              <a:t>8/8/2025</a:t>
             </a:fld>
             <a:endParaRPr lang="en-US" dirty="0"/>
           </a:p>
@@ -678,7 +686,7 @@
           <a:p>
             <a:fld id="{48A87A34-81AB-432B-8DAE-1953F412C126}" type="datetimeFigureOut">
               <a:rPr lang="en-US" dirty="0"/>
-              <a:t>8/3/2025</a:t>
+              <a:t>8/8/2025</a:t>
             </a:fld>
             <a:endParaRPr lang="en-US" dirty="0"/>
           </a:p>
@@ -874,7 +882,7 @@
           <a:p>
             <a:fld id="{48A87A34-81AB-432B-8DAE-1953F412C126}" type="datetimeFigureOut">
               <a:rPr lang="en-US" dirty="0"/>
-              <a:t>8/3/2025</a:t>
+              <a:t>8/8/2025</a:t>
             </a:fld>
             <a:endParaRPr lang="en-US" dirty="0"/>
           </a:p>
@@ -1148,7 +1156,7 @@
           <a:p>
             <a:fld id="{48A87A34-81AB-432B-8DAE-1953F412C126}" type="datetimeFigureOut">
               <a:rPr lang="en-US" dirty="0"/>
-              <a:t>8/3/2025</a:t>
+              <a:t>8/8/2025</a:t>
             </a:fld>
             <a:endParaRPr lang="en-US" dirty="0"/>
           </a:p>
@@ -1411,7 +1419,7 @@
           <a:p>
             <a:fld id="{48A87A34-81AB-432B-8DAE-1953F412C126}" type="datetimeFigureOut">
               <a:rPr lang="en-US" dirty="0"/>
-              <a:t>8/3/2025</a:t>
+              <a:t>8/8/2025</a:t>
             </a:fld>
             <a:endParaRPr lang="en-US" dirty="0"/>
           </a:p>
@@ -1822,7 +1830,7 @@
           <a:p>
             <a:fld id="{48A87A34-81AB-432B-8DAE-1953F412C126}" type="datetimeFigureOut">
               <a:rPr lang="en-US" dirty="0"/>
-              <a:t>8/3/2025</a:t>
+              <a:t>8/8/2025</a:t>
             </a:fld>
             <a:endParaRPr lang="en-US" dirty="0"/>
           </a:p>
@@ -1966,7 +1974,7 @@
           <a:p>
             <a:fld id="{48A87A34-81AB-432B-8DAE-1953F412C126}" type="datetimeFigureOut">
               <a:rPr lang="en-US" dirty="0"/>
-              <a:t>8/3/2025</a:t>
+              <a:t>8/8/2025</a:t>
             </a:fld>
             <a:endParaRPr lang="en-US" dirty="0"/>
           </a:p>
@@ -2087,7 +2095,7 @@
           <a:p>
             <a:fld id="{48A87A34-81AB-432B-8DAE-1953F412C126}" type="datetimeFigureOut">
               <a:rPr lang="en-US" dirty="0"/>
-              <a:t>8/3/2025</a:t>
+              <a:t>8/8/2025</a:t>
             </a:fld>
             <a:endParaRPr lang="en-US" dirty="0"/>
           </a:p>
@@ -2333,7 +2341,7 @@
           <a:p>
             <a:fld id="{48A87A34-81AB-432B-8DAE-1953F412C126}" type="datetimeFigureOut">
               <a:rPr lang="en-US" dirty="0"/>
-              <a:t>8/3/2025</a:t>
+              <a:t>8/8/2025</a:t>
             </a:fld>
             <a:endParaRPr lang="en-US" dirty="0"/>
           </a:p>
@@ -2774,7 +2782,7 @@
             <a:fld id="{48A87A34-81AB-432B-8DAE-1953F412C126}" type="datetimeFigureOut">
               <a:rPr lang="en-US" dirty="0"/>
               <a:pPr/>
-              <a:t>8/3/2025</a:t>
+              <a:t>8/8/2025</a:t>
             </a:fld>
             <a:endParaRPr lang="en-US" dirty="0"/>
           </a:p>
@@ -3097,7 +3105,7 @@
             <a:fld id="{48A87A34-81AB-432B-8DAE-1953F412C126}" type="datetimeFigureOut">
               <a:rPr lang="en-US" dirty="0"/>
               <a:pPr/>
-              <a:t>8/3/2025</a:t>
+              <a:t>8/8/2025</a:t>
             </a:fld>
             <a:endParaRPr lang="en-US" dirty="0"/>
           </a:p>
@@ -4080,7 +4088,7 @@
         <p:spPr>
           <a:xfrm>
             <a:off x="530942" y="363794"/>
-            <a:ext cx="11238271" cy="4985980"/>
+            <a:ext cx="11238271" cy="4431983"/>
           </a:xfrm>
           <a:prstGeom prst="rect">
             <a:avLst/>
@@ -4115,62 +4123,66 @@
             <a:endParaRPr lang="en-IN" sz="2400" dirty="0"/>
           </a:p>
           <a:p>
-            <a:r>
-              <a:rPr lang="en-US" i="1" dirty="0"/>
-              <a:t>Elbow Method shows a noticeable "elbow" at k=3 or 4, indicating </a:t>
-            </a:r>
-          </a:p>
-          <a:p>
-            <a:r>
-              <a:rPr lang="en-US" i="1" dirty="0"/>
-              <a:t>diminishing returns in SSE reduction after that.</a:t>
-            </a:r>
-          </a:p>
-          <a:p>
-            <a:br>
+            <a:pPr marL="285750" indent="-285750">
+              <a:buFont typeface="Wingdings" panose="05000000000000000000" pitchFamily="2" charset="2"/>
+              <a:buChar char="ü"/>
+            </a:pPr>
+            <a:r>
               <a:rPr lang="en-US" dirty="0"/>
-            </a:br>
-            <a:r>
-              <a:rPr lang="en-US" i="1" dirty="0"/>
+              <a:t>Elbow Method shows a noticeable "elbow" at k=3 or 4, indicating diminishing returns in SSE reduction after that.</a:t>
+            </a:r>
+          </a:p>
+          <a:p>
+            <a:endParaRPr lang="en-US" dirty="0"/>
+          </a:p>
+          <a:p>
+            <a:pPr marL="285750" indent="-285750">
+              <a:buFont typeface="Wingdings" panose="05000000000000000000" pitchFamily="2" charset="2"/>
+              <a:buChar char="ü"/>
+            </a:pPr>
+            <a:r>
+              <a:rPr lang="en-US" dirty="0"/>
               <a:t>Silhouette Score is highest at k=2, but the gap isn't drastic up to k=4.</a:t>
             </a:r>
-            <a:endParaRPr lang="en-US" dirty="0"/>
-          </a:p>
-          <a:p>
-            <a:br>
+          </a:p>
+          <a:p>
+            <a:endParaRPr lang="en-US" dirty="0"/>
+          </a:p>
+          <a:p>
+            <a:pPr marL="285750" indent="-285750">
+              <a:buFont typeface="Wingdings" panose="05000000000000000000" pitchFamily="2" charset="2"/>
+              <a:buChar char="ü"/>
+            </a:pPr>
+            <a:r>
               <a:rPr lang="en-US" dirty="0"/>
-            </a:br>
-            <a:r>
-              <a:rPr lang="en-US" i="1" dirty="0"/>
               <a:t>Choosing k=3 in the PCA cluster visualization is a reasonable and balanced choice.</a:t>
             </a:r>
-            <a:endParaRPr lang="en-US" dirty="0"/>
-          </a:p>
-          <a:p>
-            <a:br>
+          </a:p>
+          <a:p>
+            <a:endParaRPr lang="en-US" dirty="0"/>
+          </a:p>
+          <a:p>
+            <a:pPr marL="285750" indent="-285750">
+              <a:buFont typeface="Wingdings" panose="05000000000000000000" pitchFamily="2" charset="2"/>
+              <a:buChar char="ü"/>
+            </a:pPr>
+            <a:r>
               <a:rPr lang="en-US" dirty="0"/>
-            </a:br>
-            <a:r>
-              <a:rPr lang="en-US" i="1" dirty="0"/>
               <a:t>Davies-Bouldin Index of 1.26 indicates tight and well-separated clusters.</a:t>
             </a:r>
-            <a:endParaRPr lang="en-US" dirty="0"/>
-          </a:p>
-          <a:p>
-            <a:br>
+          </a:p>
+          <a:p>
+            <a:endParaRPr lang="en-US" dirty="0"/>
+          </a:p>
+          <a:p>
+            <a:pPr marL="285750" indent="-285750">
+              <a:buFont typeface="Wingdings" panose="05000000000000000000" pitchFamily="2" charset="2"/>
+              <a:buChar char="ü"/>
+            </a:pPr>
+            <a:r>
               <a:rPr lang="en-US" dirty="0"/>
-            </a:br>
-            <a:r>
-              <a:rPr lang="en-US" i="1" dirty="0"/>
-              <a:t>PCA plot shows clear separation among clusters, compact and</a:t>
-            </a:r>
-          </a:p>
-          <a:p>
-            <a:r>
-              <a:rPr lang="en-US" i="1" dirty="0"/>
-              <a:t>distinct groups → supports validity of k=3 selection.</a:t>
-            </a:r>
-            <a:endParaRPr lang="en-US" dirty="0"/>
+              <a:t>PCA plot shows clear separation among clusters, compact and distinct groups → supports validity of k=3 selection.</a:t>
+            </a:r>
           </a:p>
           <a:p>
             <a:endParaRPr lang="en-IN" sz="2400" dirty="0"/>
@@ -4370,7 +4382,7 @@
         <p:spPr>
           <a:xfrm>
             <a:off x="530942" y="363794"/>
-            <a:ext cx="11238271" cy="5909310"/>
+            <a:ext cx="11238271" cy="2862322"/>
           </a:xfrm>
           <a:prstGeom prst="rect">
             <a:avLst/>
@@ -4432,94 +4444,11 @@
             </a:r>
           </a:p>
           <a:p>
-            <a:br>
-              <a:rPr lang="en-US" dirty="0"/>
-            </a:br>
-            <a:r>
-              <a:rPr lang="en-US" b="1" dirty="0"/>
-              <a:t>DBSCAN Clustering</a:t>
-            </a:r>
-          </a:p>
-          <a:p>
-            <a:endParaRPr lang="en-US" dirty="0"/>
-          </a:p>
-          <a:p>
-            <a:pPr marL="285750" indent="-285750">
-              <a:buFont typeface="Wingdings" panose="05000000000000000000" pitchFamily="2" charset="2"/>
-              <a:buChar char="ü"/>
-            </a:pPr>
-            <a:r>
-              <a:rPr lang="en-US" dirty="0"/>
-              <a:t>Performs close to </a:t>
-            </a:r>
-            <a:r>
-              <a:rPr lang="en-US" dirty="0" err="1"/>
-              <a:t>KMeans</a:t>
-            </a:r>
-            <a:r>
-              <a:rPr lang="en-US" dirty="0"/>
-              <a:t> in metrics but slightly worse.</a:t>
-            </a:r>
-          </a:p>
-          <a:p>
-            <a:endParaRPr lang="en-US" dirty="0"/>
-          </a:p>
-          <a:p>
-            <a:pPr marL="285750" indent="-285750">
-              <a:buFont typeface="Wingdings" panose="05000000000000000000" pitchFamily="2" charset="2"/>
-              <a:buChar char="ü"/>
-            </a:pPr>
-            <a:r>
-              <a:rPr lang="en-US" dirty="0"/>
-              <a:t>DBSCAN is density-based, useful if clusters are non-spherical—but your data seems well-separated by </a:t>
-            </a:r>
-            <a:r>
-              <a:rPr lang="en-US" dirty="0" err="1"/>
-              <a:t>KMeans</a:t>
-            </a:r>
-            <a:r>
-              <a:rPr lang="en-US" dirty="0"/>
-              <a:t>, so DBSCAN may not add much value here.</a:t>
-            </a:r>
-          </a:p>
-          <a:p>
-            <a:br>
-              <a:rPr lang="en-US" dirty="0"/>
-            </a:br>
-            <a:r>
-              <a:rPr lang="en-US" b="1" dirty="0"/>
-              <a:t>Conclusion: Use </a:t>
-            </a:r>
-            <a:r>
-              <a:rPr lang="en-US" b="1" dirty="0" err="1"/>
-              <a:t>KMeans</a:t>
-            </a:r>
-            <a:r>
-              <a:rPr lang="en-US" b="1" dirty="0"/>
-              <a:t> (k=3)</a:t>
-            </a:r>
-            <a:endParaRPr lang="en-US" dirty="0"/>
-          </a:p>
-          <a:p>
-            <a:br>
-              <a:rPr lang="en-US" dirty="0"/>
-            </a:br>
-            <a:r>
-              <a:rPr lang="en-US" b="1" dirty="0" err="1">
-                <a:solidFill>
-                  <a:srgbClr val="00B050"/>
-                </a:solidFill>
-              </a:rPr>
-              <a:t>KMeans</a:t>
-            </a:r>
-            <a:r>
-              <a:rPr lang="en-US" b="1" dirty="0">
-                <a:solidFill>
-                  <a:srgbClr val="00B050"/>
-                </a:solidFill>
-              </a:rPr>
-              <a:t> outperforms both DBSCAN and Hierarchical in clustering quality based on both evaluation metrics and PCA visualization.</a:t>
-            </a:r>
+            <a:endParaRPr lang="en-US" b="1" dirty="0">
+              <a:solidFill>
+                <a:srgbClr val="00B050"/>
+              </a:solidFill>
+            </a:endParaRPr>
           </a:p>
           <a:p>
             <a:endParaRPr lang="en-IN" sz="2400" dirty="0"/>
@@ -4600,7 +4529,7 @@
             </a:r>
             <a:r>
               <a:rPr lang="en-IN" sz="2400" dirty="0"/>
-              <a:t>/DB-Scan Clustering</a:t>
+              <a:t> Clustering</a:t>
             </a:r>
           </a:p>
           <a:p>
@@ -4616,10 +4545,10 @@
       </p:sp>
       <p:pic>
         <p:nvPicPr>
-          <p:cNvPr id="6" name="Picture 5">
+          <p:cNvPr id="4" name="Picture 3">
             <a:extLst>
               <a:ext uri="{FF2B5EF4-FFF2-40B4-BE49-F238E27FC236}">
-                <a16:creationId xmlns:a16="http://schemas.microsoft.com/office/drawing/2014/main" id="{BB7EA06C-0E39-D722-CF00-72ECE2D60F1B}"/>
+                <a16:creationId xmlns:a16="http://schemas.microsoft.com/office/drawing/2014/main" id="{F0BE16C0-10AA-7F37-9721-D0B052778009}"/>
               </a:ext>
             </a:extLst>
           </p:cNvPr>
@@ -4636,8 +4565,38 @@
         </p:blipFill>
         <p:spPr>
           <a:xfrm>
-            <a:off x="673579" y="1148624"/>
-            <a:ext cx="10859660" cy="4593415"/>
+            <a:off x="98324" y="1148624"/>
+            <a:ext cx="7403690" cy="4740051"/>
+          </a:xfrm>
+          <a:prstGeom prst="rect">
+            <a:avLst/>
+          </a:prstGeom>
+        </p:spPr>
+      </p:pic>
+      <p:pic>
+        <p:nvPicPr>
+          <p:cNvPr id="7" name="Picture 6">
+            <a:extLst>
+              <a:ext uri="{FF2B5EF4-FFF2-40B4-BE49-F238E27FC236}">
+                <a16:creationId xmlns:a16="http://schemas.microsoft.com/office/drawing/2014/main" id="{68DDC485-5897-2D65-1451-191E3B08C9D5}"/>
+              </a:ext>
+            </a:extLst>
+          </p:cNvPr>
+          <p:cNvPicPr>
+            <a:picLocks noChangeAspect="1"/>
+          </p:cNvPicPr>
+          <p:nvPr/>
+        </p:nvPicPr>
+        <p:blipFill>
+          <a:blip r:embed="rId3"/>
+          <a:stretch>
+            <a:fillRect/>
+          </a:stretch>
+        </p:blipFill>
+        <p:spPr>
+          <a:xfrm>
+            <a:off x="7627569" y="2644737"/>
+            <a:ext cx="3760648" cy="363934"/>
           </a:xfrm>
           <a:prstGeom prst="rect">
             <a:avLst/>
@@ -4665,6 +4624,398 @@
         <p:cNvPr id="1" name="">
           <a:extLst>
             <a:ext uri="{FF2B5EF4-FFF2-40B4-BE49-F238E27FC236}">
+              <a16:creationId xmlns:a16="http://schemas.microsoft.com/office/drawing/2014/main" id="{49281141-5216-BE7C-DABE-375A07460886}"/>
+            </a:ext>
+          </a:extLst>
+        </p:cNvPr>
+        <p:cNvGrpSpPr/>
+        <p:nvPr/>
+      </p:nvGrpSpPr>
+      <p:grpSpPr>
+        <a:xfrm>
+          <a:off x="0" y="0"/>
+          <a:ext cx="0" cy="0"/>
+          <a:chOff x="0" y="0"/>
+          <a:chExt cx="0" cy="0"/>
+        </a:xfrm>
+      </p:grpSpPr>
+      <p:sp>
+        <p:nvSpPr>
+          <p:cNvPr id="2" name="TextBox 1">
+            <a:extLst>
+              <a:ext uri="{FF2B5EF4-FFF2-40B4-BE49-F238E27FC236}">
+                <a16:creationId xmlns:a16="http://schemas.microsoft.com/office/drawing/2014/main" id="{50F18CDD-9F60-E1C5-DC0B-2B2A4DC3C5A6}"/>
+              </a:ext>
+            </a:extLst>
+          </p:cNvPr>
+          <p:cNvSpPr txBox="1"/>
+          <p:nvPr/>
+        </p:nvSpPr>
+        <p:spPr>
+          <a:xfrm>
+            <a:off x="530942" y="363794"/>
+            <a:ext cx="11238271" cy="3139321"/>
+          </a:xfrm>
+          <a:prstGeom prst="rect">
+            <a:avLst/>
+          </a:prstGeom>
+          <a:noFill/>
+        </p:spPr>
+        <p:txBody>
+          <a:bodyPr wrap="square" rtlCol="0">
+            <a:spAutoFit/>
+          </a:bodyPr>
+          <a:lstStyle/>
+          <a:p>
+            <a:r>
+              <a:rPr lang="en-IN" sz="2400" dirty="0"/>
+              <a:t>Model Building and Evaluation</a:t>
+            </a:r>
+          </a:p>
+          <a:p>
+            <a:endParaRPr lang="en-IN" sz="2400" dirty="0"/>
+          </a:p>
+          <a:p>
+            <a:r>
+              <a:rPr lang="en-US" b="1" dirty="0"/>
+              <a:t>DBSCAN Clustering</a:t>
+            </a:r>
+          </a:p>
+          <a:p>
+            <a:endParaRPr lang="en-US" dirty="0"/>
+          </a:p>
+          <a:p>
+            <a:pPr marL="285750" indent="-285750">
+              <a:buFont typeface="Wingdings" panose="05000000000000000000" pitchFamily="2" charset="2"/>
+              <a:buChar char="ü"/>
+            </a:pPr>
+            <a:r>
+              <a:rPr lang="en-US" dirty="0"/>
+              <a:t>Performs close to </a:t>
+            </a:r>
+            <a:r>
+              <a:rPr lang="en-US" dirty="0" err="1"/>
+              <a:t>KMeans</a:t>
+            </a:r>
+            <a:r>
+              <a:rPr lang="en-US" dirty="0"/>
+              <a:t> in metrics but slightly worse.</a:t>
+            </a:r>
+          </a:p>
+          <a:p>
+            <a:endParaRPr lang="en-US" dirty="0"/>
+          </a:p>
+          <a:p>
+            <a:pPr marL="285750" indent="-285750">
+              <a:buFont typeface="Wingdings" panose="05000000000000000000" pitchFamily="2" charset="2"/>
+              <a:buChar char="ü"/>
+            </a:pPr>
+            <a:r>
+              <a:rPr lang="en-US" dirty="0"/>
+              <a:t>DBSCAN is density-based, useful if clusters are non-spherical—but your data seems well-separated by </a:t>
+            </a:r>
+            <a:r>
+              <a:rPr lang="en-US" dirty="0" err="1"/>
+              <a:t>KMeans</a:t>
+            </a:r>
+            <a:r>
+              <a:rPr lang="en-US" dirty="0"/>
+              <a:t>, so DBSCAN may not add much value here.</a:t>
+            </a:r>
+          </a:p>
+          <a:p>
+            <a:br>
+              <a:rPr lang="en-US" dirty="0"/>
+            </a:br>
+            <a:endParaRPr lang="en-IN" sz="2400" dirty="0"/>
+          </a:p>
+        </p:txBody>
+      </p:sp>
+    </p:spTree>
+    <p:extLst>
+      <p:ext uri="{BB962C8B-B14F-4D97-AF65-F5344CB8AC3E}">
+        <p14:creationId xmlns:p14="http://schemas.microsoft.com/office/powerpoint/2010/main" val="1714489079"/>
+      </p:ext>
+    </p:extLst>
+  </p:cSld>
+  <p:clrMapOvr>
+    <a:masterClrMapping/>
+  </p:clrMapOvr>
+</p:sld>
+</file>
+
+<file path=ppt/slides/slide17.xml><?xml version="1.0" encoding="utf-8"?>
+<p:sld xmlns:a="http://schemas.openxmlformats.org/drawingml/2006/main" xmlns:r="http://schemas.openxmlformats.org/officeDocument/2006/relationships" xmlns:p="http://schemas.openxmlformats.org/presentationml/2006/main">
+  <p:cSld>
+    <p:spTree>
+      <p:nvGrpSpPr>
+        <p:cNvPr id="1" name="">
+          <a:extLst>
+            <a:ext uri="{FF2B5EF4-FFF2-40B4-BE49-F238E27FC236}">
+              <a16:creationId xmlns:a16="http://schemas.microsoft.com/office/drawing/2014/main" id="{70A12A76-0A00-C595-A11F-0D7B269B3CDE}"/>
+            </a:ext>
+          </a:extLst>
+        </p:cNvPr>
+        <p:cNvGrpSpPr/>
+        <p:nvPr/>
+      </p:nvGrpSpPr>
+      <p:grpSpPr>
+        <a:xfrm>
+          <a:off x="0" y="0"/>
+          <a:ext cx="0" cy="0"/>
+          <a:chOff x="0" y="0"/>
+          <a:chExt cx="0" cy="0"/>
+        </a:xfrm>
+      </p:grpSpPr>
+      <p:sp>
+        <p:nvSpPr>
+          <p:cNvPr id="2" name="TextBox 1">
+            <a:extLst>
+              <a:ext uri="{FF2B5EF4-FFF2-40B4-BE49-F238E27FC236}">
+                <a16:creationId xmlns:a16="http://schemas.microsoft.com/office/drawing/2014/main" id="{AFE86369-5868-58A5-8629-1EE1DC6917FA}"/>
+              </a:ext>
+            </a:extLst>
+          </p:cNvPr>
+          <p:cNvSpPr txBox="1"/>
+          <p:nvPr/>
+        </p:nvSpPr>
+        <p:spPr>
+          <a:xfrm>
+            <a:off x="530942" y="363794"/>
+            <a:ext cx="11238271" cy="1477328"/>
+          </a:xfrm>
+          <a:prstGeom prst="rect">
+            <a:avLst/>
+          </a:prstGeom>
+          <a:noFill/>
+        </p:spPr>
+        <p:txBody>
+          <a:bodyPr wrap="square" rtlCol="0">
+            <a:spAutoFit/>
+          </a:bodyPr>
+          <a:lstStyle/>
+          <a:p>
+            <a:r>
+              <a:rPr lang="en-IN" sz="2400" dirty="0"/>
+              <a:t>Model Building and Evaluation</a:t>
+            </a:r>
+          </a:p>
+          <a:p>
+            <a:endParaRPr lang="en-IN" sz="2400" dirty="0"/>
+          </a:p>
+          <a:p>
+            <a:br>
+              <a:rPr lang="en-US" dirty="0"/>
+            </a:br>
+            <a:endParaRPr lang="en-IN" sz="2400" dirty="0"/>
+          </a:p>
+        </p:txBody>
+      </p:sp>
+      <p:pic>
+        <p:nvPicPr>
+          <p:cNvPr id="4" name="Picture 3">
+            <a:extLst>
+              <a:ext uri="{FF2B5EF4-FFF2-40B4-BE49-F238E27FC236}">
+                <a16:creationId xmlns:a16="http://schemas.microsoft.com/office/drawing/2014/main" id="{FDCAFA73-3B4B-8A8C-99D7-5AF7A5F4AE30}"/>
+              </a:ext>
+            </a:extLst>
+          </p:cNvPr>
+          <p:cNvPicPr>
+            <a:picLocks noChangeAspect="1"/>
+          </p:cNvPicPr>
+          <p:nvPr/>
+        </p:nvPicPr>
+        <p:blipFill>
+          <a:blip r:embed="rId2"/>
+          <a:stretch>
+            <a:fillRect/>
+          </a:stretch>
+        </p:blipFill>
+        <p:spPr>
+          <a:xfrm>
+            <a:off x="422787" y="1131746"/>
+            <a:ext cx="7112563" cy="4594508"/>
+          </a:xfrm>
+          <a:prstGeom prst="rect">
+            <a:avLst/>
+          </a:prstGeom>
+        </p:spPr>
+      </p:pic>
+      <p:pic>
+        <p:nvPicPr>
+          <p:cNvPr id="6" name="Picture 5">
+            <a:extLst>
+              <a:ext uri="{FF2B5EF4-FFF2-40B4-BE49-F238E27FC236}">
+                <a16:creationId xmlns:a16="http://schemas.microsoft.com/office/drawing/2014/main" id="{256CBED2-C9E6-2FEA-5E80-29DCF078BA33}"/>
+              </a:ext>
+            </a:extLst>
+          </p:cNvPr>
+          <p:cNvPicPr>
+            <a:picLocks noChangeAspect="1"/>
+          </p:cNvPicPr>
+          <p:nvPr/>
+        </p:nvPicPr>
+        <p:blipFill>
+          <a:blip r:embed="rId3"/>
+          <a:stretch>
+            <a:fillRect/>
+          </a:stretch>
+        </p:blipFill>
+        <p:spPr>
+          <a:xfrm>
+            <a:off x="7945253" y="2859707"/>
+            <a:ext cx="3414056" cy="365792"/>
+          </a:xfrm>
+          <a:prstGeom prst="rect">
+            <a:avLst/>
+          </a:prstGeom>
+        </p:spPr>
+      </p:pic>
+    </p:spTree>
+    <p:extLst>
+      <p:ext uri="{BB962C8B-B14F-4D97-AF65-F5344CB8AC3E}">
+        <p14:creationId xmlns:p14="http://schemas.microsoft.com/office/powerpoint/2010/main" val="354420511"/>
+      </p:ext>
+    </p:extLst>
+  </p:cSld>
+  <p:clrMapOvr>
+    <a:masterClrMapping/>
+  </p:clrMapOvr>
+</p:sld>
+</file>
+
+<file path=ppt/slides/slide18.xml><?xml version="1.0" encoding="utf-8"?>
+<p:sld xmlns:a="http://schemas.openxmlformats.org/drawingml/2006/main" xmlns:r="http://schemas.openxmlformats.org/officeDocument/2006/relationships" xmlns:p="http://schemas.openxmlformats.org/presentationml/2006/main">
+  <p:cSld>
+    <p:spTree>
+      <p:nvGrpSpPr>
+        <p:cNvPr id="1" name="">
+          <a:extLst>
+            <a:ext uri="{FF2B5EF4-FFF2-40B4-BE49-F238E27FC236}">
+              <a16:creationId xmlns:a16="http://schemas.microsoft.com/office/drawing/2014/main" id="{764C720E-7E87-5FD1-47A7-90D9CC39FCBD}"/>
+            </a:ext>
+          </a:extLst>
+        </p:cNvPr>
+        <p:cNvGrpSpPr/>
+        <p:nvPr/>
+      </p:nvGrpSpPr>
+      <p:grpSpPr>
+        <a:xfrm>
+          <a:off x="0" y="0"/>
+          <a:ext cx="0" cy="0"/>
+          <a:chOff x="0" y="0"/>
+          <a:chExt cx="0" cy="0"/>
+        </a:xfrm>
+      </p:grpSpPr>
+      <p:sp>
+        <p:nvSpPr>
+          <p:cNvPr id="2" name="TextBox 1">
+            <a:extLst>
+              <a:ext uri="{FF2B5EF4-FFF2-40B4-BE49-F238E27FC236}">
+                <a16:creationId xmlns:a16="http://schemas.microsoft.com/office/drawing/2014/main" id="{E632AE4A-25A5-5463-50A6-8E5C12F24D00}"/>
+              </a:ext>
+            </a:extLst>
+          </p:cNvPr>
+          <p:cNvSpPr txBox="1"/>
+          <p:nvPr/>
+        </p:nvSpPr>
+        <p:spPr>
+          <a:xfrm>
+            <a:off x="530942" y="363794"/>
+            <a:ext cx="11238271" cy="3447098"/>
+          </a:xfrm>
+          <a:prstGeom prst="rect">
+            <a:avLst/>
+          </a:prstGeom>
+          <a:noFill/>
+        </p:spPr>
+        <p:txBody>
+          <a:bodyPr wrap="square" rtlCol="0">
+            <a:spAutoFit/>
+          </a:bodyPr>
+          <a:lstStyle/>
+          <a:p>
+            <a:r>
+              <a:rPr lang="en-IN" sz="2400" dirty="0"/>
+              <a:t>Model Building and Evaluation</a:t>
+            </a:r>
+          </a:p>
+          <a:p>
+            <a:endParaRPr lang="en-IN" sz="2400" dirty="0"/>
+          </a:p>
+          <a:p>
+            <a:r>
+              <a:rPr lang="en-US" b="1" dirty="0"/>
+              <a:t>Conclusion: </a:t>
+            </a:r>
+          </a:p>
+          <a:p>
+            <a:endParaRPr lang="en-US" b="1" dirty="0"/>
+          </a:p>
+          <a:p>
+            <a:r>
+              <a:rPr lang="en-US" dirty="0"/>
+              <a:t>Use </a:t>
+            </a:r>
+            <a:r>
+              <a:rPr lang="en-US" dirty="0" err="1"/>
+              <a:t>KMeans</a:t>
+            </a:r>
+            <a:r>
+              <a:rPr lang="en-US" dirty="0"/>
+              <a:t> (k=3)</a:t>
+            </a:r>
+          </a:p>
+          <a:p>
+            <a:br>
+              <a:rPr lang="en-US" dirty="0"/>
+            </a:br>
+            <a:r>
+              <a:rPr lang="en-US" sz="2800" b="1" dirty="0" err="1">
+                <a:solidFill>
+                  <a:srgbClr val="00B050"/>
+                </a:solidFill>
+              </a:rPr>
+              <a:t>KMeans</a:t>
+            </a:r>
+            <a:r>
+              <a:rPr lang="en-US" sz="2800" b="1" dirty="0">
+                <a:solidFill>
+                  <a:srgbClr val="00B050"/>
+                </a:solidFill>
+              </a:rPr>
+              <a:t> outperforms both DBSCAN and Hierarchical in clustering quality based on both evaluation metrics and PCA visualization.</a:t>
+            </a:r>
+          </a:p>
+          <a:p>
+            <a:br>
+              <a:rPr lang="en-US" dirty="0"/>
+            </a:br>
+            <a:endParaRPr lang="en-IN" sz="2400" dirty="0"/>
+          </a:p>
+        </p:txBody>
+      </p:sp>
+    </p:spTree>
+    <p:extLst>
+      <p:ext uri="{BB962C8B-B14F-4D97-AF65-F5344CB8AC3E}">
+        <p14:creationId xmlns:p14="http://schemas.microsoft.com/office/powerpoint/2010/main" val="3055873501"/>
+      </p:ext>
+    </p:extLst>
+  </p:cSld>
+  <p:clrMapOvr>
+    <a:masterClrMapping/>
+  </p:clrMapOvr>
+</p:sld>
+</file>
+
+<file path=ppt/slides/slide19.xml><?xml version="1.0" encoding="utf-8"?>
+<p:sld xmlns:a="http://schemas.openxmlformats.org/drawingml/2006/main" xmlns:r="http://schemas.openxmlformats.org/officeDocument/2006/relationships" xmlns:p="http://schemas.openxmlformats.org/presentationml/2006/main">
+  <p:cSld>
+    <p:spTree>
+      <p:nvGrpSpPr>
+        <p:cNvPr id="1" name="">
+          <a:extLst>
+            <a:ext uri="{FF2B5EF4-FFF2-40B4-BE49-F238E27FC236}">
               <a16:creationId xmlns:a16="http://schemas.microsoft.com/office/drawing/2014/main" id="{C7B8750E-DED8-CC75-9370-9A09E26EC41B}"/>
             </a:ext>
           </a:extLst>
@@ -4821,107 +5172,6 @@
     <p:extLst>
       <p:ext uri="{BB962C8B-B14F-4D97-AF65-F5344CB8AC3E}">
         <p14:creationId xmlns:p14="http://schemas.microsoft.com/office/powerpoint/2010/main" val="3918569892"/>
-      </p:ext>
-    </p:extLst>
-  </p:cSld>
-  <p:clrMapOvr>
-    <a:masterClrMapping/>
-  </p:clrMapOvr>
-</p:sld>
-</file>
-
-<file path=ppt/slides/slide17.xml><?xml version="1.0" encoding="utf-8"?>
-<p:sld xmlns:a="http://schemas.openxmlformats.org/drawingml/2006/main" xmlns:r="http://schemas.openxmlformats.org/officeDocument/2006/relationships" xmlns:p="http://schemas.openxmlformats.org/presentationml/2006/main">
-  <p:cSld>
-    <p:spTree>
-      <p:nvGrpSpPr>
-        <p:cNvPr id="1" name="">
-          <a:extLst>
-            <a:ext uri="{FF2B5EF4-FFF2-40B4-BE49-F238E27FC236}">
-              <a16:creationId xmlns:a16="http://schemas.microsoft.com/office/drawing/2014/main" id="{D061D887-5B1A-3881-E786-436CBCE4C623}"/>
-            </a:ext>
-          </a:extLst>
-        </p:cNvPr>
-        <p:cNvGrpSpPr/>
-        <p:nvPr/>
-      </p:nvGrpSpPr>
-      <p:grpSpPr>
-        <a:xfrm>
-          <a:off x="0" y="0"/>
-          <a:ext cx="0" cy="0"/>
-          <a:chOff x="0" y="0"/>
-          <a:chExt cx="0" cy="0"/>
-        </a:xfrm>
-      </p:grpSpPr>
-      <p:sp>
-        <p:nvSpPr>
-          <p:cNvPr id="2" name="Title 1">
-            <a:extLst>
-              <a:ext uri="{FF2B5EF4-FFF2-40B4-BE49-F238E27FC236}">
-                <a16:creationId xmlns:a16="http://schemas.microsoft.com/office/drawing/2014/main" id="{72A64837-FE07-85B6-B355-8A66FEC8CFF6}"/>
-              </a:ext>
-            </a:extLst>
-          </p:cNvPr>
-          <p:cNvSpPr>
-            <a:spLocks noGrp="1"/>
-          </p:cNvSpPr>
-          <p:nvPr>
-            <p:ph type="ctrTitle"/>
-          </p:nvPr>
-        </p:nvSpPr>
-        <p:spPr/>
-        <p:txBody>
-          <a:bodyPr>
-            <a:normAutofit/>
-          </a:bodyPr>
-          <a:lstStyle/>
-          <a:p>
-            <a:r>
-              <a:rPr lang="en-IN" sz="2800" dirty="0"/>
-              <a:t>Thank You </a:t>
-            </a:r>
-            <a:r>
-              <a:rPr lang="en-IN" sz="2800" dirty="0">
-                <a:sym typeface="Wingdings" panose="05000000000000000000" pitchFamily="2" charset="2"/>
-              </a:rPr>
-              <a:t></a:t>
-            </a:r>
-            <a:endParaRPr lang="en-IN" sz="2800" dirty="0"/>
-          </a:p>
-        </p:txBody>
-      </p:sp>
-      <p:sp>
-        <p:nvSpPr>
-          <p:cNvPr id="3" name="Subtitle 2">
-            <a:extLst>
-              <a:ext uri="{FF2B5EF4-FFF2-40B4-BE49-F238E27FC236}">
-                <a16:creationId xmlns:a16="http://schemas.microsoft.com/office/drawing/2014/main" id="{AF592FB3-40E3-46A0-3CA6-CE22787BCF08}"/>
-              </a:ext>
-            </a:extLst>
-          </p:cNvPr>
-          <p:cNvSpPr>
-            <a:spLocks noGrp="1"/>
-          </p:cNvSpPr>
-          <p:nvPr>
-            <p:ph type="subTitle" idx="1"/>
-          </p:nvPr>
-        </p:nvSpPr>
-        <p:spPr/>
-        <p:txBody>
-          <a:bodyPr/>
-          <a:lstStyle/>
-          <a:p>
-            <a:r>
-              <a:rPr lang="en-IN" dirty="0"/>
-              <a:t>																SINDHUJA J</a:t>
-            </a:r>
-          </a:p>
-        </p:txBody>
-      </p:sp>
-    </p:spTree>
-    <p:extLst>
-      <p:ext uri="{BB962C8B-B14F-4D97-AF65-F5344CB8AC3E}">
-        <p14:creationId xmlns:p14="http://schemas.microsoft.com/office/powerpoint/2010/main" val="479497966"/>
       </p:ext>
     </p:extLst>
   </p:cSld>
@@ -5084,6 +5334,107 @@
     <p:extLst>
       <p:ext uri="{BB962C8B-B14F-4D97-AF65-F5344CB8AC3E}">
         <p14:creationId xmlns:p14="http://schemas.microsoft.com/office/powerpoint/2010/main" val="2775722589"/>
+      </p:ext>
+    </p:extLst>
+  </p:cSld>
+  <p:clrMapOvr>
+    <a:masterClrMapping/>
+  </p:clrMapOvr>
+</p:sld>
+</file>
+
+<file path=ppt/slides/slide20.xml><?xml version="1.0" encoding="utf-8"?>
+<p:sld xmlns:a="http://schemas.openxmlformats.org/drawingml/2006/main" xmlns:r="http://schemas.openxmlformats.org/officeDocument/2006/relationships" xmlns:p="http://schemas.openxmlformats.org/presentationml/2006/main">
+  <p:cSld>
+    <p:spTree>
+      <p:nvGrpSpPr>
+        <p:cNvPr id="1" name="">
+          <a:extLst>
+            <a:ext uri="{FF2B5EF4-FFF2-40B4-BE49-F238E27FC236}">
+              <a16:creationId xmlns:a16="http://schemas.microsoft.com/office/drawing/2014/main" id="{D061D887-5B1A-3881-E786-436CBCE4C623}"/>
+            </a:ext>
+          </a:extLst>
+        </p:cNvPr>
+        <p:cNvGrpSpPr/>
+        <p:nvPr/>
+      </p:nvGrpSpPr>
+      <p:grpSpPr>
+        <a:xfrm>
+          <a:off x="0" y="0"/>
+          <a:ext cx="0" cy="0"/>
+          <a:chOff x="0" y="0"/>
+          <a:chExt cx="0" cy="0"/>
+        </a:xfrm>
+      </p:grpSpPr>
+      <p:sp>
+        <p:nvSpPr>
+          <p:cNvPr id="2" name="Title 1">
+            <a:extLst>
+              <a:ext uri="{FF2B5EF4-FFF2-40B4-BE49-F238E27FC236}">
+                <a16:creationId xmlns:a16="http://schemas.microsoft.com/office/drawing/2014/main" id="{72A64837-FE07-85B6-B355-8A66FEC8CFF6}"/>
+              </a:ext>
+            </a:extLst>
+          </p:cNvPr>
+          <p:cNvSpPr>
+            <a:spLocks noGrp="1"/>
+          </p:cNvSpPr>
+          <p:nvPr>
+            <p:ph type="ctrTitle"/>
+          </p:nvPr>
+        </p:nvSpPr>
+        <p:spPr/>
+        <p:txBody>
+          <a:bodyPr>
+            <a:normAutofit/>
+          </a:bodyPr>
+          <a:lstStyle/>
+          <a:p>
+            <a:r>
+              <a:rPr lang="en-IN" sz="2800" dirty="0"/>
+              <a:t>Thank You </a:t>
+            </a:r>
+            <a:r>
+              <a:rPr lang="en-IN" sz="2800" dirty="0">
+                <a:sym typeface="Wingdings" panose="05000000000000000000" pitchFamily="2" charset="2"/>
+              </a:rPr>
+              <a:t></a:t>
+            </a:r>
+            <a:endParaRPr lang="en-IN" sz="2800" dirty="0"/>
+          </a:p>
+        </p:txBody>
+      </p:sp>
+      <p:sp>
+        <p:nvSpPr>
+          <p:cNvPr id="3" name="Subtitle 2">
+            <a:extLst>
+              <a:ext uri="{FF2B5EF4-FFF2-40B4-BE49-F238E27FC236}">
+                <a16:creationId xmlns:a16="http://schemas.microsoft.com/office/drawing/2014/main" id="{AF592FB3-40E3-46A0-3CA6-CE22787BCF08}"/>
+              </a:ext>
+            </a:extLst>
+          </p:cNvPr>
+          <p:cNvSpPr>
+            <a:spLocks noGrp="1"/>
+          </p:cNvSpPr>
+          <p:nvPr>
+            <p:ph type="subTitle" idx="1"/>
+          </p:nvPr>
+        </p:nvSpPr>
+        <p:spPr/>
+        <p:txBody>
+          <a:bodyPr/>
+          <a:lstStyle/>
+          <a:p>
+            <a:r>
+              <a:rPr lang="en-IN" dirty="0"/>
+              <a:t>																SINDHUJA J</a:t>
+            </a:r>
+          </a:p>
+        </p:txBody>
+      </p:sp>
+    </p:spTree>
+    <p:extLst>
+      <p:ext uri="{BB962C8B-B14F-4D97-AF65-F5344CB8AC3E}">
+        <p14:creationId xmlns:p14="http://schemas.microsoft.com/office/powerpoint/2010/main" val="479497966"/>
       </p:ext>
     </p:extLst>
   </p:cSld>
